--- a/THUIM.pptx
+++ b/THUIM.pptx
@@ -5,7 +5,7 @@
     <p:sldMasterId id="2147483659" r:id="rId1"/>
   </p:sldMasterIdLst>
   <p:notesMasterIdLst>
-    <p:notesMasterId r:id="rId9"/>
+    <p:notesMasterId r:id="rId10"/>
   </p:notesMasterIdLst>
   <p:sldIdLst>
     <p:sldId id="256" r:id="rId2"/>
@@ -14,26 +14,27 @@
     <p:sldId id="262" r:id="rId5"/>
     <p:sldId id="257" r:id="rId6"/>
     <p:sldId id="261" r:id="rId7"/>
-    <p:sldId id="279" r:id="rId8"/>
+    <p:sldId id="280" r:id="rId8"/>
+    <p:sldId id="279" r:id="rId9"/>
   </p:sldIdLst>
   <p:sldSz cx="9144000" cy="6858000" type="screen4x3"/>
   <p:notesSz cx="6858000" cy="9144000"/>
   <p:embeddedFontLst>
     <p:embeddedFont>
-      <p:font typeface="Playfair Display"/>
-      <p:regular r:id="rId10"/>
-      <p:bold r:id="rId11"/>
-      <p:italic r:id="rId12"/>
-      <p:boldItalic r:id="rId13"/>
+      <p:font typeface="Droid Sans" panose="02020500000000000000" charset="0"/>
+      <p:regular r:id="rId11"/>
+      <p:bold r:id="rId12"/>
     </p:embeddedFont>
     <p:embeddedFont>
-      <p:font typeface="Droid Sans" panose="02020500000000000000" charset="0"/>
-      <p:regular r:id="rId14"/>
-      <p:bold r:id="rId15"/>
+      <p:font typeface="Playfair Display"/>
+      <p:regular r:id="rId13"/>
+      <p:bold r:id="rId14"/>
+      <p:italic r:id="rId15"/>
+      <p:boldItalic r:id="rId16"/>
     </p:embeddedFont>
     <p:embeddedFont>
       <p:font typeface="標楷體" panose="03000509000000000000" pitchFamily="65" charset="-120"/>
-      <p:regular r:id="rId16"/>
+      <p:regular r:id="rId17"/>
     </p:embeddedFont>
   </p:embeddedFontLst>
   <p:defaultTextStyle>
@@ -238,6 +239,11 @@
       </a:defRPr>
     </a:lvl9pPr>
   </p:defaultTextStyle>
+  <p:extLst>
+    <p:ext uri="{EFAFB233-063F-42B5-8137-9DF3F51BA10A}">
+      <p15:sldGuideLst xmlns:p15="http://schemas.microsoft.com/office/powerpoint/2012/main"/>
+    </p:ext>
+  </p:extLst>
 </p:presentation>
 </file>
 
@@ -1133,8 +1139,8 @@
         </p:nvSpPr>
         <p:spPr>
           <a:xfrm>
-            <a:off x="1143225" y="685800"/>
-            <a:ext cx="4572299" cy="3429000"/>
+            <a:off x="1143000" y="685800"/>
+            <a:ext cx="4572000" cy="3429000"/>
           </a:xfrm>
           <a:custGeom>
             <a:avLst/>
@@ -3697,13 +3703,18 @@
               <a:buNone/>
             </a:pPr>
             <a:r>
-              <a:rPr lang="en" sz="7200" dirty="0">
+              <a:rPr lang="en" sz="7200" dirty="0" smtClean="0">
                 <a:solidFill>
                   <a:srgbClr val="000000"/>
                 </a:solidFill>
               </a:rPr>
-              <a:t>100%</a:t>
+              <a:t>174.3</a:t>
             </a:r>
+            <a:endParaRPr lang="en" sz="7200" dirty="0">
+              <a:solidFill>
+                <a:srgbClr val="000000"/>
+              </a:solidFill>
+            </a:endParaRPr>
           </a:p>
         </p:txBody>
       </p:sp>
@@ -3739,13 +3750,26 @@
               <a:buNone/>
             </a:pPr>
             <a:r>
-              <a:rPr lang="en" sz="2400" b="1">
+              <a:rPr lang="zh-TW" altLang="en-US" sz="2400" b="1" dirty="0" smtClean="0">
                 <a:solidFill>
                   <a:srgbClr val="FFFFFF"/>
                 </a:solidFill>
               </a:rPr>
-              <a:t>Total success!</a:t>
+              <a:t> 老化指數 </a:t>
             </a:r>
+            <a:r>
+              <a:rPr lang="en-US" altLang="zh-TW" sz="2400" b="1" dirty="0" smtClean="0">
+                <a:solidFill>
+                  <a:srgbClr val="FFFFFF"/>
+                </a:solidFill>
+              </a:rPr>
+              <a:t>No.1</a:t>
+            </a:r>
+            <a:endParaRPr lang="en" sz="2400" b="1" dirty="0">
+              <a:solidFill>
+                <a:srgbClr val="FFFFFF"/>
+              </a:solidFill>
+            </a:endParaRPr>
           </a:p>
         </p:txBody>
       </p:sp>
@@ -3984,6 +4008,36 @@
           </a:p>
         </p:txBody>
       </p:sp>
+      <p:pic>
+        <p:nvPicPr>
+          <p:cNvPr id="2" name="圖片 1"/>
+          <p:cNvPicPr>
+            <a:picLocks noChangeAspect="1"/>
+          </p:cNvPicPr>
+          <p:nvPr/>
+        </p:nvPicPr>
+        <p:blipFill>
+          <a:blip r:embed="rId3">
+            <a:extLst>
+              <a:ext uri="{28A0092B-C50C-407E-A947-70E740481C1C}">
+                <a14:useLocalDpi xmlns:a14="http://schemas.microsoft.com/office/drawing/2010/main" val="0"/>
+              </a:ext>
+            </a:extLst>
+          </a:blip>
+          <a:stretch>
+            <a:fillRect/>
+          </a:stretch>
+        </p:blipFill>
+        <p:spPr>
+          <a:xfrm>
+            <a:off x="4110763" y="2255829"/>
+            <a:ext cx="4868058" cy="3649903"/>
+          </a:xfrm>
+          <a:prstGeom prst="rect">
+            <a:avLst/>
+          </a:prstGeom>
+        </p:spPr>
+      </p:pic>
     </p:spTree>
   </p:cSld>
   <p:clrMapOvr>
@@ -4059,14 +4113,7 @@
                 <a:latin typeface="標楷體" panose="03000509000000000000" pitchFamily="65" charset="-120"/>
                 <a:ea typeface="標楷體" panose="03000509000000000000" pitchFamily="65" charset="-120"/>
               </a:rPr>
-              <a:t>老齡化帶來的衝</a:t>
-            </a:r>
-            <a:r>
-              <a:rPr lang="zh-TW" altLang="en-US" sz="3600" dirty="0">
-                <a:latin typeface="標楷體" panose="03000509000000000000" pitchFamily="65" charset="-120"/>
-                <a:ea typeface="標楷體" panose="03000509000000000000" pitchFamily="65" charset="-120"/>
-              </a:rPr>
-              <a:t>擊</a:t>
+              <a:t>老齡化帶來的衝擊</a:t>
             </a:r>
             <a:endParaRPr lang="en" sz="3600" dirty="0">
               <a:latin typeface="標楷體" panose="03000509000000000000" pitchFamily="65" charset="-120"/>
@@ -4210,15 +4257,6 @@
               </a:rPr>
               <a:t>Optimization</a:t>
             </a:r>
-            <a:endParaRPr lang="en-US" altLang="zh-TW" b="1" dirty="0" smtClean="0">
-              <a:solidFill>
-                <a:srgbClr val="FFD900"/>
-              </a:solidFill>
-              <a:latin typeface="Times New Roman" panose="02020603050405020304" pitchFamily="18" charset="0"/>
-              <a:ea typeface="Playfair Display"/>
-              <a:cs typeface="Times New Roman" panose="02020603050405020304" pitchFamily="18" charset="0"/>
-              <a:sym typeface="Playfair Display"/>
-            </a:endParaRPr>
           </a:p>
         </p:txBody>
       </p:sp>
@@ -4902,7 +4940,7 @@
         </p:blipFill>
         <p:spPr>
           <a:xfrm>
-            <a:off x="5241236" y="2037522"/>
+            <a:off x="5190787" y="1580355"/>
             <a:ext cx="3048000" cy="3048000"/>
           </a:xfrm>
           <a:prstGeom prst="ellipse">
@@ -4956,8 +4994,38 @@
         </p:blipFill>
         <p:spPr>
           <a:xfrm>
-            <a:off x="596348" y="2190209"/>
-            <a:ext cx="4472609" cy="2895313"/>
+            <a:off x="772921" y="1837062"/>
+            <a:ext cx="4007183" cy="2594023"/>
+          </a:xfrm>
+          <a:prstGeom prst="rect">
+            <a:avLst/>
+          </a:prstGeom>
+        </p:spPr>
+      </p:pic>
+      <p:pic>
+        <p:nvPicPr>
+          <p:cNvPr id="3" name="圖片 2"/>
+          <p:cNvPicPr>
+            <a:picLocks noChangeAspect="1"/>
+          </p:cNvPicPr>
+          <p:nvPr/>
+        </p:nvPicPr>
+        <p:blipFill>
+          <a:blip r:embed="rId5">
+            <a:extLst>
+              <a:ext uri="{28A0092B-C50C-407E-A947-70E740481C1C}">
+                <a14:useLocalDpi xmlns:a14="http://schemas.microsoft.com/office/drawing/2010/main" val="0"/>
+              </a:ext>
+            </a:extLst>
+          </a:blip>
+          <a:stretch>
+            <a:fillRect/>
+          </a:stretch>
+        </p:blipFill>
+        <p:spPr>
+          <a:xfrm>
+            <a:off x="2713451" y="4846852"/>
+            <a:ext cx="3608826" cy="1539516"/>
           </a:xfrm>
           <a:prstGeom prst="rect">
             <a:avLst/>
@@ -5053,8 +5121,8 @@
         </p:nvSpPr>
         <p:spPr>
           <a:xfrm>
-            <a:off x="1005600" y="1600200"/>
-            <a:ext cx="7132799" cy="4837499"/>
+            <a:off x="332347" y="1441174"/>
+            <a:ext cx="9118279" cy="4837499"/>
           </a:xfrm>
           <a:prstGeom prst="rect">
             <a:avLst/>
@@ -5066,36 +5134,175 @@
           </a:bodyPr>
           <a:lstStyle/>
           <a:p>
-            <a:pPr marL="457200" lvl="0" indent="-228600" rtl="0">
-              <a:spcBef>
-                <a:spcPts val="0"/>
-              </a:spcBef>
+            <a:pPr marL="457200" indent="-457200">
+              <a:lnSpc>
+                <a:spcPct val="150000"/>
+              </a:lnSpc>
+              <a:buFont typeface="Wingdings" panose="05000000000000000000" pitchFamily="2" charset="2"/>
+              <a:buChar char="u"/>
             </a:pPr>
             <a:r>
-              <a:rPr lang="en" dirty="0"/>
-              <a:t>Here you have a list of items</a:t>
+              <a:rPr lang="zh-TW" altLang="en-US" sz="2800" dirty="0">
+                <a:latin typeface="標楷體" panose="03000509000000000000" pitchFamily="65" charset="-120"/>
+                <a:ea typeface="標楷體" panose="03000509000000000000" pitchFamily="65" charset="-120"/>
+              </a:rPr>
+              <a:t>嘉義市中低收入老人免費裝設假牙合約醫院名單 </a:t>
             </a:r>
+            <a:endParaRPr lang="en-US" altLang="zh-TW" sz="2800" dirty="0" smtClean="0">
+              <a:latin typeface="標楷體" panose="03000509000000000000" pitchFamily="65" charset="-120"/>
+              <a:ea typeface="標楷體" panose="03000509000000000000" pitchFamily="65" charset="-120"/>
+            </a:endParaRPr>
           </a:p>
           <a:p>
-            <a:pPr marL="457200" lvl="0" indent="-228600" rtl="0">
-              <a:spcBef>
-                <a:spcPts val="0"/>
-              </a:spcBef>
+            <a:pPr marL="457200" indent="-457200">
+              <a:lnSpc>
+                <a:spcPct val="150000"/>
+              </a:lnSpc>
+              <a:buFont typeface="Wingdings" panose="05000000000000000000" pitchFamily="2" charset="2"/>
+              <a:buChar char="u"/>
             </a:pPr>
             <a:r>
-              <a:rPr lang="en" dirty="0"/>
-              <a:t>And some text</a:t>
+              <a:rPr lang="zh-TW" altLang="en-US" sz="2800" dirty="0" smtClean="0">
+                <a:latin typeface="標楷體" panose="03000509000000000000" pitchFamily="65" charset="-120"/>
+                <a:ea typeface="標楷體" panose="03000509000000000000" pitchFamily="65" charset="-120"/>
+              </a:rPr>
+              <a:t>嘉義縣</a:t>
             </a:r>
+            <a:r>
+              <a:rPr lang="zh-TW" altLang="en-US" sz="2800" dirty="0">
+                <a:latin typeface="標楷體" panose="03000509000000000000" pitchFamily="65" charset="-120"/>
+                <a:ea typeface="標楷體" panose="03000509000000000000" pitchFamily="65" charset="-120"/>
+              </a:rPr>
+              <a:t>中低收入老人補助裝置假牙特約醫療院所名冊 </a:t>
+            </a:r>
+            <a:endParaRPr lang="en-US" altLang="zh-TW" sz="2800" dirty="0" smtClean="0">
+              <a:latin typeface="標楷體" panose="03000509000000000000" pitchFamily="65" charset="-120"/>
+              <a:ea typeface="標楷體" panose="03000509000000000000" pitchFamily="65" charset="-120"/>
+            </a:endParaRPr>
           </a:p>
           <a:p>
-            <a:pPr marL="457200" lvl="0" indent="-228600" rtl="0">
-              <a:spcBef>
-                <a:spcPts val="0"/>
-              </a:spcBef>
+            <a:pPr marL="457200" indent="-457200">
+              <a:lnSpc>
+                <a:spcPct val="150000"/>
+              </a:lnSpc>
+              <a:buFont typeface="Wingdings" panose="05000000000000000000" pitchFamily="2" charset="2"/>
+              <a:buChar char="u"/>
             </a:pPr>
             <a:r>
-              <a:rPr lang="en" dirty="0"/>
-              <a:t>But remember not to overload your slides with content</a:t>
+              <a:rPr lang="zh-TW" altLang="en-US" sz="2800" dirty="0" smtClean="0">
+                <a:latin typeface="標楷體" panose="03000509000000000000" pitchFamily="65" charset="-120"/>
+                <a:ea typeface="標楷體" panose="03000509000000000000" pitchFamily="65" charset="-120"/>
+              </a:rPr>
+              <a:t>嘉義市</a:t>
+            </a:r>
+            <a:r>
+              <a:rPr lang="zh-TW" altLang="en-US" sz="2800" dirty="0">
+                <a:latin typeface="標楷體" panose="03000509000000000000" pitchFamily="65" charset="-120"/>
+                <a:ea typeface="標楷體" panose="03000509000000000000" pitchFamily="65" charset="-120"/>
+              </a:rPr>
+              <a:t>中低收入老人免費配戴老花眼鏡合約店家名單 </a:t>
+            </a:r>
+            <a:endParaRPr lang="en-US" altLang="zh-TW" sz="2800" dirty="0" smtClean="0">
+              <a:latin typeface="標楷體" panose="03000509000000000000" pitchFamily="65" charset="-120"/>
+              <a:ea typeface="標楷體" panose="03000509000000000000" pitchFamily="65" charset="-120"/>
+            </a:endParaRPr>
+          </a:p>
+          <a:p>
+            <a:pPr marL="457200" indent="-457200">
+              <a:lnSpc>
+                <a:spcPct val="150000"/>
+              </a:lnSpc>
+              <a:buFont typeface="Wingdings" panose="05000000000000000000" pitchFamily="2" charset="2"/>
+              <a:buChar char="u"/>
+            </a:pPr>
+            <a:r>
+              <a:rPr lang="zh-TW" altLang="en-US" sz="2800" dirty="0" smtClean="0">
+                <a:latin typeface="標楷體" panose="03000509000000000000" pitchFamily="65" charset="-120"/>
+                <a:ea typeface="標楷體" panose="03000509000000000000" pitchFamily="65" charset="-120"/>
+              </a:rPr>
+              <a:t>嘉義市</a:t>
+            </a:r>
+            <a:r>
+              <a:rPr lang="en-US" altLang="zh-TW" sz="2800" dirty="0" err="1">
+                <a:latin typeface="標楷體" panose="03000509000000000000" pitchFamily="65" charset="-120"/>
+                <a:ea typeface="標楷體" panose="03000509000000000000" pitchFamily="65" charset="-120"/>
+              </a:rPr>
+              <a:t>iTaiwan</a:t>
+            </a:r>
+            <a:r>
+              <a:rPr lang="en-US" altLang="zh-TW" sz="2800" dirty="0">
+                <a:latin typeface="標楷體" panose="03000509000000000000" pitchFamily="65" charset="-120"/>
+                <a:ea typeface="標楷體" panose="03000509000000000000" pitchFamily="65" charset="-120"/>
+              </a:rPr>
+              <a:t> </a:t>
+            </a:r>
+            <a:r>
+              <a:rPr lang="en-US" altLang="zh-TW" sz="2800" dirty="0" err="1">
+                <a:latin typeface="標楷體" panose="03000509000000000000" pitchFamily="65" charset="-120"/>
+                <a:ea typeface="標楷體" panose="03000509000000000000" pitchFamily="65" charset="-120"/>
+              </a:rPr>
+              <a:t>WiFi</a:t>
+            </a:r>
+            <a:r>
+              <a:rPr lang="zh-TW" altLang="en-US" sz="2800" dirty="0">
+                <a:latin typeface="標楷體" panose="03000509000000000000" pitchFamily="65" charset="-120"/>
+                <a:ea typeface="標楷體" panose="03000509000000000000" pitchFamily="65" charset="-120"/>
+              </a:rPr>
+              <a:t>無線網路熱點 </a:t>
+            </a:r>
+            <a:endParaRPr lang="en-US" altLang="zh-TW" sz="2800" dirty="0" smtClean="0">
+              <a:latin typeface="標楷體" panose="03000509000000000000" pitchFamily="65" charset="-120"/>
+              <a:ea typeface="標楷體" panose="03000509000000000000" pitchFamily="65" charset="-120"/>
+            </a:endParaRPr>
+          </a:p>
+          <a:p>
+            <a:pPr marL="457200" indent="-457200">
+              <a:lnSpc>
+                <a:spcPct val="150000"/>
+              </a:lnSpc>
+              <a:buFont typeface="Wingdings" panose="05000000000000000000" pitchFamily="2" charset="2"/>
+              <a:buChar char="u"/>
+            </a:pPr>
+            <a:r>
+              <a:rPr lang="zh-TW" altLang="en-US" sz="2800" dirty="0" smtClean="0">
+                <a:latin typeface="標楷體" panose="03000509000000000000" pitchFamily="65" charset="-120"/>
+                <a:ea typeface="標楷體" panose="03000509000000000000" pitchFamily="65" charset="-120"/>
+              </a:rPr>
+              <a:t>嘉義市</a:t>
+            </a:r>
+            <a:r>
+              <a:rPr lang="zh-TW" altLang="en-US" sz="2800" dirty="0">
+                <a:latin typeface="標楷體" panose="03000509000000000000" pitchFamily="65" charset="-120"/>
+                <a:ea typeface="標楷體" panose="03000509000000000000" pitchFamily="65" charset="-120"/>
+              </a:rPr>
+              <a:t>高齡友善餐廳名冊 </a:t>
+            </a:r>
+            <a:endParaRPr lang="en-US" altLang="zh-TW" sz="2800" dirty="0" smtClean="0">
+              <a:latin typeface="標楷體" panose="03000509000000000000" pitchFamily="65" charset="-120"/>
+              <a:ea typeface="標楷體" panose="03000509000000000000" pitchFamily="65" charset="-120"/>
+            </a:endParaRPr>
+          </a:p>
+          <a:p>
+            <a:pPr marL="457200" indent="-457200">
+              <a:lnSpc>
+                <a:spcPct val="150000"/>
+              </a:lnSpc>
+              <a:buFont typeface="Wingdings" panose="05000000000000000000" pitchFamily="2" charset="2"/>
+              <a:buChar char="u"/>
+            </a:pPr>
+            <a:r>
+              <a:rPr lang="zh-TW" altLang="en-US" sz="2800" dirty="0" smtClean="0">
+                <a:latin typeface="標楷體" panose="03000509000000000000" pitchFamily="65" charset="-120"/>
+                <a:ea typeface="標楷體" panose="03000509000000000000" pitchFamily="65" charset="-120"/>
+              </a:rPr>
+              <a:t>嘉義</a:t>
+            </a:r>
+            <a:r>
+              <a:rPr lang="zh-TW" altLang="en-US" sz="2800" dirty="0">
+                <a:latin typeface="標楷體" panose="03000509000000000000" pitchFamily="65" charset="-120"/>
+                <a:ea typeface="標楷體" panose="03000509000000000000" pitchFamily="65" charset="-120"/>
+              </a:rPr>
+              <a:t>縣長青活力站一覽表</a:t>
             </a:r>
           </a:p>
           <a:p>
@@ -5129,6 +5336,269 @@
   <p:cSld>
     <p:spTree>
       <p:nvGrpSpPr>
+        <p:cNvPr id="1" name=""/>
+        <p:cNvGrpSpPr/>
+        <p:nvPr/>
+      </p:nvGrpSpPr>
+      <p:grpSpPr>
+        <a:xfrm>
+          <a:off x="0" y="0"/>
+          <a:ext cx="0" cy="0"/>
+          <a:chOff x="0" y="0"/>
+          <a:chExt cx="0" cy="0"/>
+        </a:xfrm>
+      </p:grpSpPr>
+      <p:sp>
+        <p:nvSpPr>
+          <p:cNvPr id="2" name="標題 1"/>
+          <p:cNvSpPr>
+            <a:spLocks noGrp="1"/>
+          </p:cNvSpPr>
+          <p:nvPr>
+            <p:ph type="title"/>
+          </p:nvPr>
+        </p:nvSpPr>
+        <p:spPr>
+          <a:xfrm>
+            <a:off x="381525" y="218822"/>
+            <a:ext cx="8229600" cy="1295400"/>
+          </a:xfrm>
+          <a:noFill/>
+          <a:ln>
+            <a:noFill/>
+          </a:ln>
+        </p:spPr>
+        <p:txBody>
+          <a:bodyPr lIns="91425" tIns="91425" rIns="91425" bIns="91425" anchor="ctr" anchorCtr="0">
+            <a:noAutofit/>
+          </a:bodyPr>
+          <a:lstStyle/>
+          <a:p>
+            <a:r>
+              <a:rPr lang="en-US" altLang="zh-TW" sz="4400" dirty="0">
+                <a:latin typeface="Times New Roman" panose="02020603050405020304" pitchFamily="18" charset="0"/>
+                <a:cs typeface="Times New Roman" panose="02020603050405020304" pitchFamily="18" charset="0"/>
+              </a:rPr>
+              <a:t>Application</a:t>
+            </a:r>
+            <a:endParaRPr lang="zh-TW" altLang="en-US" sz="4400" dirty="0">
+              <a:latin typeface="Times New Roman" panose="02020603050405020304" pitchFamily="18" charset="0"/>
+              <a:cs typeface="Times New Roman" panose="02020603050405020304" pitchFamily="18" charset="0"/>
+            </a:endParaRPr>
+          </a:p>
+        </p:txBody>
+      </p:sp>
+      <p:pic>
+        <p:nvPicPr>
+          <p:cNvPr id="4" name="圖片 3"/>
+          <p:cNvPicPr>
+            <a:picLocks noChangeAspect="1"/>
+          </p:cNvPicPr>
+          <p:nvPr/>
+        </p:nvPicPr>
+        <p:blipFill>
+          <a:blip r:embed="rId2">
+            <a:extLst>
+              <a:ext uri="{28A0092B-C50C-407E-A947-70E740481C1C}">
+                <a14:useLocalDpi xmlns:a14="http://schemas.microsoft.com/office/drawing/2010/main" val="0"/>
+              </a:ext>
+            </a:extLst>
+          </a:blip>
+          <a:stretch>
+            <a:fillRect/>
+          </a:stretch>
+        </p:blipFill>
+        <p:spPr>
+          <a:xfrm>
+            <a:off x="682163" y="1722345"/>
+            <a:ext cx="3486240" cy="3377465"/>
+          </a:xfrm>
+          <a:prstGeom prst="rect">
+            <a:avLst/>
+          </a:prstGeom>
+        </p:spPr>
+      </p:pic>
+      <p:sp>
+        <p:nvSpPr>
+          <p:cNvPr id="5" name="文字方塊 4"/>
+          <p:cNvSpPr txBox="1"/>
+          <p:nvPr/>
+        </p:nvSpPr>
+        <p:spPr>
+          <a:xfrm>
+            <a:off x="682163" y="4926200"/>
+            <a:ext cx="3843130" cy="523220"/>
+          </a:xfrm>
+          <a:prstGeom prst="rect">
+            <a:avLst/>
+          </a:prstGeom>
+          <a:noFill/>
+        </p:spPr>
+        <p:txBody>
+          <a:bodyPr wrap="square" rtlCol="0">
+            <a:spAutoFit/>
+          </a:bodyPr>
+          <a:lstStyle/>
+          <a:p>
+            <a:r>
+              <a:rPr lang="en-US" altLang="zh-TW" sz="2400" dirty="0" smtClean="0">
+                <a:solidFill>
+                  <a:schemeClr val="bg1"/>
+                </a:solidFill>
+                <a:latin typeface="Times New Roman" panose="02020603050405020304" pitchFamily="18" charset="0"/>
+                <a:cs typeface="Times New Roman" panose="02020603050405020304" pitchFamily="18" charset="0"/>
+              </a:rPr>
+              <a:t>OPEN</a:t>
+            </a:r>
+            <a:r>
+              <a:rPr lang="zh-TW" altLang="en-US" sz="2400" dirty="0" smtClean="0">
+                <a:solidFill>
+                  <a:schemeClr val="bg1"/>
+                </a:solidFill>
+                <a:latin typeface="Times New Roman" panose="02020603050405020304" pitchFamily="18" charset="0"/>
+                <a:cs typeface="Times New Roman" panose="02020603050405020304" pitchFamily="18" charset="0"/>
+              </a:rPr>
+              <a:t> </a:t>
+            </a:r>
+            <a:r>
+              <a:rPr lang="en-US" altLang="zh-TW" sz="2400" dirty="0" smtClean="0">
+                <a:solidFill>
+                  <a:schemeClr val="bg1"/>
+                </a:solidFill>
+                <a:latin typeface="Times New Roman" panose="02020603050405020304" pitchFamily="18" charset="0"/>
+                <a:cs typeface="Times New Roman" panose="02020603050405020304" pitchFamily="18" charset="0"/>
+              </a:rPr>
+              <a:t>DATA</a:t>
+            </a:r>
+            <a:r>
+              <a:rPr lang="zh-TW" altLang="en-US" sz="2400" dirty="0" smtClean="0">
+                <a:solidFill>
+                  <a:schemeClr val="bg1"/>
+                </a:solidFill>
+                <a:latin typeface="Times New Roman" panose="02020603050405020304" pitchFamily="18" charset="0"/>
+                <a:cs typeface="Times New Roman" panose="02020603050405020304" pitchFamily="18" charset="0"/>
+              </a:rPr>
+              <a:t> </a:t>
+            </a:r>
+            <a:r>
+              <a:rPr lang="zh-TW" altLang="en-US" sz="2800" dirty="0" smtClean="0">
+                <a:solidFill>
+                  <a:schemeClr val="bg1"/>
+                </a:solidFill>
+                <a:latin typeface="標楷體" panose="03000509000000000000" pitchFamily="65" charset="-120"/>
+                <a:ea typeface="標楷體" panose="03000509000000000000" pitchFamily="65" charset="-120"/>
+              </a:rPr>
+              <a:t>應用開發</a:t>
+            </a:r>
+            <a:endParaRPr lang="zh-TW" altLang="en-US" sz="2800" dirty="0">
+              <a:solidFill>
+                <a:schemeClr val="bg1"/>
+              </a:solidFill>
+              <a:latin typeface="標楷體" panose="03000509000000000000" pitchFamily="65" charset="-120"/>
+              <a:ea typeface="標楷體" panose="03000509000000000000" pitchFamily="65" charset="-120"/>
+            </a:endParaRPr>
+          </a:p>
+        </p:txBody>
+      </p:sp>
+      <p:pic>
+        <p:nvPicPr>
+          <p:cNvPr id="6" name="圖片 5"/>
+          <p:cNvPicPr>
+            <a:picLocks noChangeAspect="1"/>
+          </p:cNvPicPr>
+          <p:nvPr/>
+        </p:nvPicPr>
+        <p:blipFill>
+          <a:blip r:embed="rId3">
+            <a:extLst>
+              <a:ext uri="{28A0092B-C50C-407E-A947-70E740481C1C}">
+                <a14:useLocalDpi xmlns:a14="http://schemas.microsoft.com/office/drawing/2010/main" val="0"/>
+              </a:ext>
+            </a:extLst>
+          </a:blip>
+          <a:stretch>
+            <a:fillRect/>
+          </a:stretch>
+        </p:blipFill>
+        <p:spPr>
+          <a:xfrm>
+            <a:off x="4648725" y="1927545"/>
+            <a:ext cx="3962400" cy="2801112"/>
+          </a:xfrm>
+          <a:prstGeom prst="rect">
+            <a:avLst/>
+          </a:prstGeom>
+        </p:spPr>
+      </p:pic>
+      <p:sp>
+        <p:nvSpPr>
+          <p:cNvPr id="7" name="文字方塊 6"/>
+          <p:cNvSpPr txBox="1"/>
+          <p:nvPr/>
+        </p:nvSpPr>
+        <p:spPr>
+          <a:xfrm>
+            <a:off x="4767995" y="4956977"/>
+            <a:ext cx="3843130" cy="461665"/>
+          </a:xfrm>
+          <a:prstGeom prst="rect">
+            <a:avLst/>
+          </a:prstGeom>
+          <a:noFill/>
+        </p:spPr>
+        <p:txBody>
+          <a:bodyPr wrap="square" rtlCol="0">
+            <a:spAutoFit/>
+          </a:bodyPr>
+          <a:lstStyle/>
+          <a:p>
+            <a:pPr algn="ctr"/>
+            <a:r>
+              <a:rPr lang="zh-TW" altLang="en-US" sz="2400" dirty="0" smtClean="0">
+                <a:solidFill>
+                  <a:schemeClr val="bg1"/>
+                </a:solidFill>
+                <a:latin typeface="Times New Roman" panose="02020603050405020304" pitchFamily="18" charset="0"/>
+                <a:ea typeface="標楷體" panose="03000509000000000000" pitchFamily="65" charset="-120"/>
+                <a:cs typeface="Times New Roman" panose="02020603050405020304" pitchFamily="18" charset="0"/>
+              </a:rPr>
+              <a:t>友善老人城市規劃</a:t>
+            </a:r>
+            <a:endParaRPr lang="zh-TW" altLang="en-US" sz="2800" dirty="0">
+              <a:solidFill>
+                <a:schemeClr val="bg1"/>
+              </a:solidFill>
+              <a:latin typeface="標楷體" panose="03000509000000000000" pitchFamily="65" charset="-120"/>
+              <a:ea typeface="標楷體" panose="03000509000000000000" pitchFamily="65" charset="-120"/>
+            </a:endParaRPr>
+          </a:p>
+        </p:txBody>
+      </p:sp>
+    </p:spTree>
+    <p:extLst>
+      <p:ext uri="{BB962C8B-B14F-4D97-AF65-F5344CB8AC3E}">
+        <p14:creationId xmlns:p14="http://schemas.microsoft.com/office/powerpoint/2010/main" val="878715469"/>
+      </p:ext>
+    </p:extLst>
+  </p:cSld>
+  <p:clrMapOvr>
+    <a:masterClrMapping/>
+  </p:clrMapOvr>
+  <p:timing>
+    <p:tnLst>
+      <p:par>
+        <p:cTn id="1" dur="indefinite" restart="never" nodeType="tmRoot"/>
+      </p:par>
+    </p:tnLst>
+  </p:timing>
+</p:sld>
+</file>
+
+<file path=ppt/slides/slide8.xml><?xml version="1.0" encoding="utf-8"?>
+<p:sld xmlns:a="http://schemas.openxmlformats.org/drawingml/2006/main" xmlns:r="http://schemas.openxmlformats.org/officeDocument/2006/relationships" xmlns:p="http://schemas.openxmlformats.org/presentationml/2006/main">
+  <p:cSld>
+    <p:spTree>
+      <p:nvGrpSpPr>
         <p:cNvPr id="1" name="Shape 283"/>
         <p:cNvGrpSpPr/>
         <p:nvPr/>
@@ -5153,7 +5623,7 @@
         </p:nvSpPr>
         <p:spPr>
           <a:xfrm>
-            <a:off x="729575" y="1759300"/>
+            <a:off x="792638" y="2170500"/>
             <a:ext cx="7684799" cy="896399"/>
           </a:xfrm>
           <a:prstGeom prst="rect">
@@ -5173,7 +5643,10 @@
               <a:buNone/>
             </a:pPr>
             <a:r>
-              <a:rPr lang="en" sz="3000" i="1"/>
+              <a:rPr lang="en" sz="5400" i="1" dirty="0">
+                <a:latin typeface="Times New Roman" panose="02020603050405020304" pitchFamily="18" charset="0"/>
+                <a:cs typeface="Times New Roman" panose="02020603050405020304" pitchFamily="18" charset="0"/>
+              </a:rPr>
               <a:t>Thanks!</a:t>
             </a:r>
           </a:p>
@@ -5191,7 +5664,7 @@
         </p:nvSpPr>
         <p:spPr>
           <a:xfrm>
-            <a:off x="729575" y="2491351"/>
+            <a:off x="729574" y="3506650"/>
             <a:ext cx="7684799" cy="1046400"/>
           </a:xfrm>
           <a:prstGeom prst="rect">
@@ -5211,7 +5684,7 @@
               <a:buNone/>
             </a:pPr>
             <a:r>
-              <a:rPr lang="en" sz="4800" b="1">
+              <a:rPr lang="en" sz="4800" b="1" dirty="0">
                 <a:solidFill>
                   <a:srgbClr val="FFD900"/>
                 </a:solidFill>
@@ -5221,68 +5694,6 @@
                 <a:sym typeface="Playfair Display"/>
               </a:rPr>
               <a:t>Any questions?</a:t>
-            </a:r>
-          </a:p>
-        </p:txBody>
-      </p:sp>
-      <p:sp>
-        <p:nvSpPr>
-          <p:cNvPr id="286" name="Shape 286"/>
-          <p:cNvSpPr txBox="1">
-            <a:spLocks noGrp="1"/>
-          </p:cNvSpPr>
-          <p:nvPr>
-            <p:ph type="body" idx="4294967295"/>
-          </p:nvPr>
-        </p:nvSpPr>
-        <p:spPr>
-          <a:xfrm>
-            <a:off x="729575" y="3847300"/>
-            <a:ext cx="7684799" cy="1361999"/>
-          </a:xfrm>
-          <a:prstGeom prst="rect">
-            <a:avLst/>
-          </a:prstGeom>
-        </p:spPr>
-        <p:txBody>
-          <a:bodyPr lIns="91425" tIns="91425" rIns="91425" bIns="91425" anchor="t" anchorCtr="0">
-            <a:noAutofit/>
-          </a:bodyPr>
-          <a:lstStyle/>
-          <a:p>
-            <a:pPr lvl="0" algn="ctr" rtl="0">
-              <a:spcBef>
-                <a:spcPts val="0"/>
-              </a:spcBef>
-              <a:buNone/>
-            </a:pPr>
-            <a:r>
-              <a:rPr lang="en" sz="1800"/>
-              <a:t>You can find me at:</a:t>
-            </a:r>
-          </a:p>
-          <a:p>
-            <a:pPr lvl="0" algn="ctr" rtl="0">
-              <a:spcBef>
-                <a:spcPts val="0"/>
-              </a:spcBef>
-              <a:buNone/>
-            </a:pPr>
-            <a:r>
-              <a:rPr lang="en" sz="1800"/>
-              <a:t>@username</a:t>
-            </a:r>
-          </a:p>
-          <a:p>
-            <a:pPr lvl="0" algn="ctr" rtl="0">
-              <a:spcBef>
-                <a:spcPts val="0"/>
-              </a:spcBef>
-              <a:buNone/>
-            </a:pPr>
-            <a:r>
-              <a:rPr lang="en" sz="1800"/>
-              <a:t>user@mail.me</a:t>
             </a:r>
           </a:p>
         </p:txBody>
